--- a/Presentation v0.5.pptx
+++ b/Presentation v0.5.pptx
@@ -15190,12 +15190,12 @@
           <a:graphicData uri="http://schemas.openxmlformats.org/presentationml/2006/ole">
             <mc:AlternateContent xmlns:mc="http://schemas.openxmlformats.org/markup-compatibility/2006">
               <mc:Choice xmlns:v="urn:schemas-microsoft-com:vml" Requires="v">
-                <p:oleObj spid="_x0000_s2090" name="Worksheet" r:id="rId3" imgW="2447851" imgH="1152630" progId="Excel.Sheet.12">
+                <p:oleObj spid="_x0000_s2094" name="Worksheet" r:id="rId4" imgW="2447851" imgH="1152630" progId="Excel.Sheet.12">
                   <p:embed/>
                 </p:oleObj>
               </mc:Choice>
               <mc:Fallback>
-                <p:oleObj name="Worksheet" r:id="rId3" imgW="2447851" imgH="1152630" progId="Excel.Sheet.12">
+                <p:oleObj name="Worksheet" r:id="rId4" imgW="2447851" imgH="1152630" progId="Excel.Sheet.12">
                   <p:embed/>
                   <p:pic>
                     <p:nvPicPr>
@@ -15206,7 +15206,7 @@
                       <p:nvPr/>
                     </p:nvPicPr>
                     <p:blipFill>
-                      <a:blip r:embed="rId4">
+                      <a:blip r:embed="rId5">
                         <a:extLst>
                           <a:ext uri="{28A0092B-C50C-407E-A947-70E740481C1C}">
                             <a14:useLocalDpi xmlns:a14="http://schemas.microsoft.com/office/drawing/2010/main" val="0"/>
@@ -15266,12 +15266,12 @@
           <a:graphicData uri="http://schemas.openxmlformats.org/presentationml/2006/ole">
             <mc:AlternateContent xmlns:mc="http://schemas.openxmlformats.org/markup-compatibility/2006">
               <mc:Choice xmlns:v="urn:schemas-microsoft-com:vml" Requires="v">
-                <p:oleObj spid="_x0000_s2091" name="Worksheet" r:id="rId5" imgW="2447851" imgH="390420" progId="Excel.Sheet.12">
+                <p:oleObj spid="_x0000_s2095" name="Worksheet" r:id="rId7" imgW="2447851" imgH="390420" progId="Excel.Sheet.12">
                   <p:embed/>
                 </p:oleObj>
               </mc:Choice>
               <mc:Fallback>
-                <p:oleObj name="Worksheet" r:id="rId5" imgW="2447851" imgH="390420" progId="Excel.Sheet.12">
+                <p:oleObj name="Worksheet" r:id="rId7" imgW="2447851" imgH="390420" progId="Excel.Sheet.12">
                   <p:embed/>
                   <p:pic>
                     <p:nvPicPr>
@@ -15282,7 +15282,7 @@
                       <p:nvPr/>
                     </p:nvPicPr>
                     <p:blipFill>
-                      <a:blip r:embed="rId6">
+                      <a:blip r:embed="rId8">
                         <a:extLst>
                           <a:ext uri="{28A0092B-C50C-407E-A947-70E740481C1C}">
                             <a14:useLocalDpi xmlns:a14="http://schemas.microsoft.com/office/drawing/2010/main" val="0"/>
@@ -15342,12 +15342,12 @@
           <a:graphicData uri="http://schemas.openxmlformats.org/presentationml/2006/ole">
             <mc:AlternateContent xmlns:mc="http://schemas.openxmlformats.org/markup-compatibility/2006">
               <mc:Choice xmlns:v="urn:schemas-microsoft-com:vml" Requires="v">
-                <p:oleObj spid="_x0000_s2092" name="Worksheet" r:id="rId7" imgW="2447851" imgH="390420" progId="Excel.Sheet.12">
+                <p:oleObj spid="_x0000_s2096" name="Worksheet" r:id="rId10" imgW="2447851" imgH="390420" progId="Excel.Sheet.12">
                   <p:embed/>
                 </p:oleObj>
               </mc:Choice>
               <mc:Fallback>
-                <p:oleObj name="Worksheet" r:id="rId7" imgW="2447851" imgH="390420" progId="Excel.Sheet.12">
+                <p:oleObj name="Worksheet" r:id="rId10" imgW="2447851" imgH="390420" progId="Excel.Sheet.12">
                   <p:embed/>
                   <p:pic>
                     <p:nvPicPr>
@@ -15358,7 +15358,7 @@
                       <p:nvPr/>
                     </p:nvPicPr>
                     <p:blipFill>
-                      <a:blip r:embed="rId8">
+                      <a:blip r:embed="rId11">
                         <a:extLst>
                           <a:ext uri="{28A0092B-C50C-407E-A947-70E740481C1C}">
                             <a14:useLocalDpi xmlns:a14="http://schemas.microsoft.com/office/drawing/2010/main" val="0"/>
@@ -15542,12 +15542,12 @@
           <a:graphicData uri="http://schemas.openxmlformats.org/presentationml/2006/ole">
             <mc:AlternateContent xmlns:mc="http://schemas.openxmlformats.org/markup-compatibility/2006">
               <mc:Choice xmlns:v="urn:schemas-microsoft-com:vml" Requires="v">
-                <p:oleObj spid="_x0000_s2093" name="Worksheet" r:id="rId9" imgW="2447851" imgH="771660" progId="Excel.Sheet.12">
+                <p:oleObj spid="_x0000_s2097" name="Worksheet" r:id="rId13" imgW="2447851" imgH="771660" progId="Excel.Sheet.12">
                   <p:embed/>
                 </p:oleObj>
               </mc:Choice>
               <mc:Fallback>
-                <p:oleObj name="Worksheet" r:id="rId9" imgW="2447851" imgH="771660" progId="Excel.Sheet.12">
+                <p:oleObj name="Worksheet" r:id="rId13" imgW="2447851" imgH="771660" progId="Excel.Sheet.12">
                   <p:embed/>
                   <p:pic>
                     <p:nvPicPr>
@@ -15558,7 +15558,7 @@
                       <p:nvPr/>
                     </p:nvPicPr>
                     <p:blipFill>
-                      <a:blip r:embed="rId10">
+                      <a:blip r:embed="rId14">
                         <a:extLst>
                           <a:ext uri="{28A0092B-C50C-407E-A947-70E740481C1C}">
                             <a14:useLocalDpi xmlns:a14="http://schemas.microsoft.com/office/drawing/2010/main" val="0"/>
@@ -15732,11 +15732,7 @@
           <a:p>
             <a:r>
               <a:rPr lang="fr-FR" sz="2400" dirty="0" smtClean="0"/>
-              <a:t>Ingestion </a:t>
-            </a:r>
-            <a:r>
-              <a:rPr lang="fr-FR" sz="2400" dirty="0" smtClean="0"/>
-              <a:t>temps réel:</a:t>
+              <a:t>Ingestion temps réel:</a:t>
             </a:r>
           </a:p>
           <a:p>
@@ -16392,11 +16388,7 @@
             </a:r>
             <a:r>
               <a:rPr lang="fr-FR" sz="1800" dirty="0" smtClean="0"/>
-              <a:t> pour le stockage en </a:t>
-            </a:r>
-            <a:r>
-              <a:rPr lang="fr-FR" sz="1800" dirty="0" smtClean="0"/>
-              <a:t>sous-collection</a:t>
+              <a:t> pour le stockage en sous-collection</a:t>
             </a:r>
           </a:p>
           <a:p>
@@ -16425,7 +16417,11 @@
             </a:r>
             <a:r>
               <a:rPr lang="fr-FR" sz="2000" dirty="0" smtClean="0"/>
-              <a:t> :</a:t>
+              <a:t> </a:t>
+            </a:r>
+            <a:r>
+              <a:rPr lang="fr-FR" sz="2000" dirty="0" smtClean="0"/>
+              <a:t>(~15million d’entrées):</a:t>
             </a:r>
             <a:endParaRPr lang="fr-FR" sz="2000" dirty="0" smtClean="0"/>
           </a:p>
@@ -16673,14 +16669,6 @@
                         </a:rPr>
                         <a:t>47s</a:t>
                       </a:r>
-                      <a:endParaRPr kumimoji="0" lang="fr-FR" sz="1400" kern="1200" dirty="0" smtClean="0">
-                        <a:solidFill>
-                          <a:schemeClr val="dk1"/>
-                        </a:solidFill>
-                        <a:latin typeface="+mn-lt"/>
-                        <a:ea typeface="+mn-ea"/>
-                        <a:cs typeface="+mn-cs"/>
-                      </a:endParaRPr>
                     </a:p>
                   </a:txBody>
                   <a:tcPr marL="72143" marR="72143" marT="36083" marB="36083"/>
@@ -16718,14 +16706,6 @@
                         </a:rPr>
                         <a:t>2min2s</a:t>
                       </a:r>
-                      <a:endParaRPr kumimoji="0" lang="fr-FR" sz="1400" kern="1200" dirty="0" smtClean="0">
-                        <a:solidFill>
-                          <a:schemeClr val="dk1"/>
-                        </a:solidFill>
-                        <a:latin typeface="+mn-lt"/>
-                        <a:ea typeface="+mn-ea"/>
-                        <a:cs typeface="+mn-cs"/>
-                      </a:endParaRPr>
                     </a:p>
                   </a:txBody>
                   <a:tcPr marL="72143" marR="72143" marT="36083" marB="36083"/>
@@ -16900,14 +16880,6 @@
                         </a:rPr>
                         <a:t>0.7s</a:t>
                       </a:r>
-                      <a:endParaRPr kumimoji="0" lang="fr-FR" sz="1400" kern="1200" baseline="0" dirty="0" smtClean="0">
-                        <a:solidFill>
-                          <a:schemeClr val="dk1"/>
-                        </a:solidFill>
-                        <a:latin typeface="+mn-lt"/>
-                        <a:ea typeface="+mn-ea"/>
-                        <a:cs typeface="+mn-cs"/>
-                      </a:endParaRPr>
                     </a:p>
                     <a:p>
                       <a:pPr marL="0" marR="0" indent="0" algn="l" defTabSz="914400" rtl="0" eaLnBrk="1" fontAlgn="auto" latinLnBrk="0" hangingPunct="1">
@@ -16989,6 +16961,46 @@
           </a:graphicData>
         </a:graphic>
       </p:graphicFrame>
+      <p:sp>
+        <p:nvSpPr>
+          <p:cNvPr id="5" name="Rectangle 4"/>
+          <p:cNvSpPr/>
+          <p:nvPr/>
+        </p:nvSpPr>
+        <p:spPr>
+          <a:xfrm>
+            <a:off x="-108520" y="3075806"/>
+            <a:ext cx="1872208" cy="1323439"/>
+          </a:xfrm>
+          <a:prstGeom prst="rect">
+            <a:avLst/>
+          </a:prstGeom>
+        </p:spPr>
+        <p:txBody>
+          <a:bodyPr wrap="square">
+            <a:spAutoFit/>
+          </a:bodyPr>
+          <a:lstStyle/>
+          <a:p>
+            <a:pPr marL="393192" lvl="1" indent="0">
+              <a:buNone/>
+            </a:pPr>
+            <a:r>
+              <a:rPr lang="fr-FR" sz="1600" dirty="0">
+                <a:sym typeface="Wingdings" pitchFamily="2" charset="2"/>
+              </a:rPr>
+              <a:t> </a:t>
+            </a:r>
+            <a:r>
+              <a:rPr lang="fr-FR" sz="1600" dirty="0" smtClean="0">
+                <a:sym typeface="Wingdings" pitchFamily="2" charset="2"/>
+              </a:rPr>
+              <a:t>Il aurait aussi fallut tester avec la création d’indexes</a:t>
+            </a:r>
+            <a:endParaRPr lang="fr-FR" sz="1600" dirty="0"/>
+          </a:p>
+        </p:txBody>
+      </p:sp>
     </p:spTree>
     <p:extLst>
       <p:ext uri="{BB962C8B-B14F-4D97-AF65-F5344CB8AC3E}">
